--- a/docs/slides/Session2.pptx
+++ b/docs/slides/Session2.pptx
@@ -203,7 +203,7 @@
   <pc:docChgLst>
     <pc:chgData name="Liam Hill" userId="cf4eacb2-5eb2-4c8d-8100-2f2500eca56b" providerId="ADAL" clId="{EF1E6788-03A9-48CA-926F-1E5DE61CB056}"/>
     <pc:docChg chg="undo redo custSel addSld delSld modSld sldOrd delMainMaster delSection modSection">
-      <pc:chgData name="Liam Hill" userId="cf4eacb2-5eb2-4c8d-8100-2f2500eca56b" providerId="ADAL" clId="{EF1E6788-03A9-48CA-926F-1E5DE61CB056}" dt="2025-06-12T08:25:12.175" v="27506"/>
+      <pc:chgData name="Liam Hill" userId="cf4eacb2-5eb2-4c8d-8100-2f2500eca56b" providerId="ADAL" clId="{EF1E6788-03A9-48CA-926F-1E5DE61CB056}" dt="2025-06-13T16:14:21.780" v="27507" actId="20577"/>
       <pc:docMkLst>
         <pc:docMk/>
       </pc:docMkLst>
@@ -3098,7 +3098,7 @@
         </pc:picChg>
       </pc:sldChg>
       <pc:sldChg chg="addSp delSp modSp new mod modAnim modShow">
-        <pc:chgData name="Liam Hill" userId="cf4eacb2-5eb2-4c8d-8100-2f2500eca56b" providerId="ADAL" clId="{EF1E6788-03A9-48CA-926F-1E5DE61CB056}" dt="2025-06-11T21:48:14.199" v="22888" actId="729"/>
+        <pc:chgData name="Liam Hill" userId="cf4eacb2-5eb2-4c8d-8100-2f2500eca56b" providerId="ADAL" clId="{EF1E6788-03A9-48CA-926F-1E5DE61CB056}" dt="2025-06-13T16:14:21.780" v="27507" actId="20577"/>
         <pc:sldMkLst>
           <pc:docMk/>
           <pc:sldMk cId="1722090438" sldId="432"/>
@@ -3112,7 +3112,7 @@
           </ac:spMkLst>
         </pc:spChg>
         <pc:spChg chg="mod">
-          <ac:chgData name="Liam Hill" userId="cf4eacb2-5eb2-4c8d-8100-2f2500eca56b" providerId="ADAL" clId="{EF1E6788-03A9-48CA-926F-1E5DE61CB056}" dt="2025-06-11T21:47:36.429" v="22885" actId="27636"/>
+          <ac:chgData name="Liam Hill" userId="cf4eacb2-5eb2-4c8d-8100-2f2500eca56b" providerId="ADAL" clId="{EF1E6788-03A9-48CA-926F-1E5DE61CB056}" dt="2025-06-13T16:14:21.780" v="27507" actId="20577"/>
           <ac:spMkLst>
             <pc:docMk/>
             <pc:sldMk cId="1722090438" sldId="432"/>
@@ -3979,7 +3979,7 @@
           <a:p>
             <a:fld id="{470085E8-8BAE-40DA-B036-0B44F60AADE1}" type="datetimeFigureOut">
               <a:rPr lang="en-US"/>
-              <a:t>6/12/2025</a:t>
+              <a:t>6/13/2025</a:t>
             </a:fld>
             <a:endParaRPr lang="en-US"/>
           </a:p>
@@ -6103,7 +6103,7 @@
             <a:fld id="{1E700B27-DE4C-4B9E-BB11-B9027034A00F}" type="datetimeFigureOut">
               <a:rPr lang="en-US" dirty="0"/>
               <a:pPr/>
-              <a:t>6/12/2025</a:t>
+              <a:t>6/13/2025</a:t>
             </a:fld>
             <a:endParaRPr lang="en-US"/>
           </a:p>
@@ -7221,7 +7221,7 @@
           <a:p>
             <a:fld id="{C40F4739-9812-4A9F-890D-2AD6BA5F6EE8}" type="datetimeFigureOut">
               <a:rPr lang="en-US" dirty="0"/>
-              <a:t>6/12/2025</a:t>
+              <a:t>6/13/2025</a:t>
             </a:fld>
             <a:endParaRPr lang="en-US"/>
           </a:p>
@@ -8168,7 +8168,7 @@
           <a:p>
             <a:fld id="{18845AC5-A3F8-44AA-BA8F-596CDCC976D3}" type="datetimeFigureOut">
               <a:rPr lang="en-US" dirty="0"/>
-              <a:t>6/12/2025</a:t>
+              <a:t>6/13/2025</a:t>
             </a:fld>
             <a:endParaRPr lang="en-US"/>
           </a:p>
@@ -9274,7 +9274,7 @@
           <a:p>
             <a:fld id="{C873B183-A821-4095-A363-9EC968635539}" type="datetimeFigureOut">
               <a:rPr lang="en-US" dirty="0"/>
-              <a:t>6/12/2025</a:t>
+              <a:t>6/13/2025</a:t>
             </a:fld>
             <a:endParaRPr lang="en-US"/>
           </a:p>
@@ -10082,7 +10082,7 @@
           <a:p>
             <a:fld id="{174D01B4-0AA5-45E6-B2E6-5FA4078AEBCF}" type="datetimeFigureOut">
               <a:rPr lang="en-US" dirty="0"/>
-              <a:t>6/12/2025</a:t>
+              <a:t>6/13/2025</a:t>
             </a:fld>
             <a:endParaRPr lang="en-US"/>
           </a:p>
@@ -10727,7 +10727,7 @@
           <a:p>
             <a:fld id="{4147335C-0450-40D7-8612-B3203BED4F28}" type="datetimeFigureOut">
               <a:rPr lang="en-US" dirty="0"/>
-              <a:t>6/12/2025</a:t>
+              <a:t>6/13/2025</a:t>
             </a:fld>
             <a:endParaRPr lang="en-US"/>
           </a:p>
@@ -11570,7 +11570,7 @@
           <a:p>
             <a:fld id="{D246A105-2A1C-4284-B4EA-07CF89B1A393}" type="datetimeFigureOut">
               <a:rPr lang="en-US" dirty="0"/>
-              <a:t>6/12/2025</a:t>
+              <a:t>6/13/2025</a:t>
             </a:fld>
             <a:endParaRPr lang="en-US"/>
           </a:p>
@@ -11743,7 +11743,7 @@
           <a:p>
             <a:fld id="{80DBE609-F3F2-45E6-BD6A-E03A8C86C1AE}" type="datetimeFigureOut">
               <a:rPr lang="en-US" dirty="0"/>
-              <a:t>6/12/2025</a:t>
+              <a:t>6/13/2025</a:t>
             </a:fld>
             <a:endParaRPr lang="en-US"/>
           </a:p>
@@ -12739,7 +12739,7 @@
           <a:p>
             <a:fld id="{7A24AD68-089C-4467-A8F3-EA2BBCA6B44E}" type="datetimeFigureOut">
               <a:rPr lang="en-US" dirty="0"/>
-              <a:t>6/12/2025</a:t>
+              <a:t>6/13/2025</a:t>
             </a:fld>
             <a:endParaRPr lang="en-US"/>
           </a:p>
@@ -12943,7 +12943,7 @@
           <a:p>
             <a:fld id="{75C51FCE-E4BB-4680-8E50-3C0E348D2609}" type="datetimeFigureOut">
               <a:rPr lang="en-US" dirty="0"/>
-              <a:t>6/12/2025</a:t>
+              <a:t>6/13/2025</a:t>
             </a:fld>
             <a:endParaRPr lang="en-US"/>
           </a:p>
@@ -13878,7 +13878,7 @@
           <a:p>
             <a:fld id="{8AAA073D-A903-47F8-8D16-77642FB0DF1F}" type="datetimeFigureOut">
               <a:rPr lang="en-US" dirty="0"/>
-              <a:t>6/12/2025</a:t>
+              <a:t>6/13/2025</a:t>
             </a:fld>
             <a:endParaRPr lang="en-US"/>
           </a:p>
@@ -14147,7 +14147,7 @@
           <a:p>
             <a:fld id="{AB91FA40-626B-4CA1-85D0-7A9016E395BA}" type="datetimeFigureOut">
               <a:rPr lang="en-US" dirty="0"/>
-              <a:t>6/12/2025</a:t>
+              <a:t>6/13/2025</a:t>
             </a:fld>
             <a:endParaRPr lang="en-US"/>
           </a:p>
@@ -14526,7 +14526,7 @@
           <a:p>
             <a:fld id="{C3F425EA-B9DC-48A7-991E-9A82573B1B21}" type="datetimeFigureOut">
               <a:rPr lang="en-US" dirty="0"/>
-              <a:t>6/12/2025</a:t>
+              <a:t>6/13/2025</a:t>
             </a:fld>
             <a:endParaRPr lang="en-US"/>
           </a:p>
@@ -14643,7 +14643,7 @@
           <a:p>
             <a:fld id="{66CB97F8-6CEB-469B-AFCC-889F2A2B1D5A}" type="datetimeFigureOut">
               <a:rPr lang="en-US" dirty="0"/>
-              <a:t>6/12/2025</a:t>
+              <a:t>6/13/2025</a:t>
             </a:fld>
             <a:endParaRPr lang="en-US"/>
           </a:p>
@@ -14738,7 +14738,7 @@
           <a:p>
             <a:fld id="{8FA9179F-009E-4FA5-B091-7EBB82A185BD}" type="datetimeFigureOut">
               <a:rPr lang="en-US" dirty="0"/>
-              <a:t>6/12/2025</a:t>
+              <a:t>6/13/2025</a:t>
             </a:fld>
             <a:endParaRPr lang="en-US"/>
           </a:p>
@@ -15845,7 +15845,7 @@
           <a:p>
             <a:fld id="{8E665CEB-0076-4E37-B880-BCEA9784DE0A}" type="datetimeFigureOut">
               <a:rPr lang="en-US" dirty="0"/>
-              <a:t>6/12/2025</a:t>
+              <a:t>6/13/2025</a:t>
             </a:fld>
             <a:endParaRPr lang="en-US"/>
           </a:p>
@@ -16976,7 +16976,7 @@
           <a:p>
             <a:fld id="{A6149E5E-3896-4118-99A7-7B85668F1C5E}" type="datetimeFigureOut">
               <a:rPr lang="en-US" dirty="0"/>
-              <a:t>6/12/2025</a:t>
+              <a:t>6/13/2025</a:t>
             </a:fld>
             <a:endParaRPr lang="en-US"/>
           </a:p>
@@ -17876,7 +17876,7 @@
           <a:p>
             <a:fld id="{7E0D914D-B099-4142-A885-11F276715148}" type="datetimeFigureOut">
               <a:rPr lang="en-US" dirty="0"/>
-              <a:t>6/12/2025</a:t>
+              <a:t>6/13/2025</a:t>
             </a:fld>
             <a:endParaRPr lang="en-US"/>
           </a:p>
@@ -25076,8 +25076,8 @@
           </a:p>
         </p:txBody>
       </p:sp>
-      <mc:AlternateContent xmlns:mc="http://schemas.openxmlformats.org/markup-compatibility/2006">
-        <mc:Choice xmlns:a14="http://schemas.microsoft.com/office/drawing/2010/main" Requires="a14">
+      <mc:AlternateContent xmlns:mc="http://schemas.openxmlformats.org/markup-compatibility/2006" xmlns:a14="http://schemas.microsoft.com/office/drawing/2010/main">
+        <mc:Choice Requires="a14">
           <p:sp>
             <p:nvSpPr>
               <p:cNvPr id="8" name="TextBox 7">
@@ -25133,6 +25133,7 @@
                 <a:endParaRPr lang="en-GB" dirty="0"/>
               </a:p>
               <a:p>
+                <a:pPr/>
                 <a14:m>
                   <m:oMathPara xmlns:m="http://schemas.openxmlformats.org/officeDocument/2006/math">
                     <m:oMathParaPr>
@@ -25275,7 +25276,7 @@
             </p:txBody>
           </p:sp>
         </mc:Choice>
-        <mc:Fallback>
+        <mc:Fallback xmlns="">
           <p:sp>
             <p:nvSpPr>
               <p:cNvPr id="8" name="TextBox 7">
@@ -26311,8 +26312,8 @@
           <a:chExt cx="0" cy="0"/>
         </a:xfrm>
       </p:grpSpPr>
-      <mc:AlternateContent xmlns:mc="http://schemas.openxmlformats.org/markup-compatibility/2006">
-        <mc:Choice xmlns:a14="http://schemas.microsoft.com/office/drawing/2010/main" Requires="a14">
+      <mc:AlternateContent xmlns:mc="http://schemas.openxmlformats.org/markup-compatibility/2006" xmlns:a14="http://schemas.microsoft.com/office/drawing/2010/main">
+        <mc:Choice Requires="a14">
           <p:sp>
             <p:nvSpPr>
               <p:cNvPr id="8" name="TextBox 7">
@@ -26350,6 +26351,7 @@
                 <a:endParaRPr lang="en-GB" dirty="0"/>
               </a:p>
               <a:p>
+                <a:pPr/>
                 <a14:m>
                   <m:oMathPara xmlns:m="http://schemas.openxmlformats.org/officeDocument/2006/math">
                     <m:oMathParaPr>
@@ -26538,7 +26540,7 @@
             </p:txBody>
           </p:sp>
         </mc:Choice>
-        <mc:Fallback>
+        <mc:Fallback xmlns="">
           <p:sp>
             <p:nvSpPr>
               <p:cNvPr id="8" name="TextBox 7">
@@ -31738,8 +31740,8 @@
           </a:p>
         </p:txBody>
       </p:sp>
-      <mc:AlternateContent xmlns:mc="http://schemas.openxmlformats.org/markup-compatibility/2006">
-        <mc:Choice xmlns:a14="http://schemas.microsoft.com/office/drawing/2010/main" Requires="a14">
+      <mc:AlternateContent xmlns:mc="http://schemas.openxmlformats.org/markup-compatibility/2006" xmlns:a14="http://schemas.microsoft.com/office/drawing/2010/main">
+        <mc:Choice Requires="a14">
           <p:sp>
             <p:nvSpPr>
               <p:cNvPr id="4" name="TextBox 3">
@@ -31830,7 +31832,7 @@
             </p:txBody>
           </p:sp>
         </mc:Choice>
-        <mc:Fallback>
+        <mc:Fallback xmlns="">
           <p:sp>
             <p:nvSpPr>
               <p:cNvPr id="4" name="TextBox 3">
@@ -32365,8 +32367,8 @@
           </a:p>
         </p:txBody>
       </p:sp>
-      <mc:AlternateContent xmlns:mc="http://schemas.openxmlformats.org/markup-compatibility/2006">
-        <mc:Choice xmlns:a14="http://schemas.microsoft.com/office/drawing/2010/main" Requires="a14">
+      <mc:AlternateContent xmlns:mc="http://schemas.openxmlformats.org/markup-compatibility/2006" xmlns:a14="http://schemas.microsoft.com/office/drawing/2010/main">
+        <mc:Choice Requires="a14">
           <p:sp>
             <p:nvSpPr>
               <p:cNvPr id="28" name="Speech Bubble: Rectangle with Corners Rounded 27">
@@ -32491,7 +32493,7 @@
             </p:txBody>
           </p:sp>
         </mc:Choice>
-        <mc:Fallback>
+        <mc:Fallback xmlns="">
           <p:sp>
             <p:nvSpPr>
               <p:cNvPr id="28" name="Speech Bubble: Rectangle with Corners Rounded 27">
@@ -32545,8 +32547,8 @@
           </p:sp>
         </mc:Fallback>
       </mc:AlternateContent>
-      <mc:AlternateContent xmlns:mc="http://schemas.openxmlformats.org/markup-compatibility/2006">
-        <mc:Choice xmlns:a14="http://schemas.microsoft.com/office/drawing/2010/main" Requires="a14">
+      <mc:AlternateContent xmlns:mc="http://schemas.openxmlformats.org/markup-compatibility/2006" xmlns:a14="http://schemas.microsoft.com/office/drawing/2010/main">
+        <mc:Choice Requires="a14">
           <p:sp>
             <p:nvSpPr>
               <p:cNvPr id="33" name="Speech Bubble: Rectangle with Corners Rounded 32">
@@ -32671,7 +32673,7 @@
             </p:txBody>
           </p:sp>
         </mc:Choice>
-        <mc:Fallback>
+        <mc:Fallback xmlns="">
           <p:sp>
             <p:nvSpPr>
               <p:cNvPr id="33" name="Speech Bubble: Rectangle with Corners Rounded 32">
@@ -32978,8 +32980,8 @@
           </p:txBody>
         </p:sp>
       </p:grpSp>
-      <mc:AlternateContent xmlns:mc="http://schemas.openxmlformats.org/markup-compatibility/2006">
-        <mc:Choice xmlns:a14="http://schemas.microsoft.com/office/drawing/2010/main" Requires="a14">
+      <mc:AlternateContent xmlns:mc="http://schemas.openxmlformats.org/markup-compatibility/2006" xmlns:a14="http://schemas.microsoft.com/office/drawing/2010/main">
+        <mc:Choice Requires="a14">
           <p:sp>
             <p:nvSpPr>
               <p:cNvPr id="56" name="Speech Bubble: Rectangle with Corners Rounded 55">
@@ -33131,7 +33133,7 @@
             </p:txBody>
           </p:sp>
         </mc:Choice>
-        <mc:Fallback>
+        <mc:Fallback xmlns="">
           <p:sp>
             <p:nvSpPr>
               <p:cNvPr id="56" name="Speech Bubble: Rectangle with Corners Rounded 55">
@@ -35558,8 +35560,12 @@
               <a:buAutoNum type="arabicPeriod"/>
             </a:pPr>
             <a:r>
+              <a:rPr lang="en-GB"/>
+              <a:t>Your </a:t>
+            </a:r>
+            <a:r>
               <a:rPr lang="en-GB" dirty="0"/>
-              <a:t>You statistical model ruled out the null hypothesis </a:t>
+              <a:t>statistical model ruled out the null hypothesis </a:t>
             </a:r>
           </a:p>
           <a:p>
@@ -40340,14 +40346,14 @@
           </a:ln>
           <a:extLst>
             <a:ext uri="{909E8E84-426E-40dd-AFC4-6F175D3DCCD1}">
-              <a14:hiddenFill xmlns:a14="http://schemas.microsoft.com/office/drawing/2010/main" xmlns="">
+              <a14:hiddenFill xmlns="" xmlns:a14="http://schemas.microsoft.com/office/drawing/2010/main">
                 <a:solidFill>
                   <a:srgbClr val="FFFFFF"/>
                 </a:solidFill>
               </a14:hiddenFill>
             </a:ext>
             <a:ext uri="{91240B29-F687-4f45-9708-019B960494DF}">
-              <a14:hiddenLine xmlns:a14="http://schemas.microsoft.com/office/drawing/2010/main" xmlns="" w="9525">
+              <a14:hiddenLine xmlns="" xmlns:a14="http://schemas.microsoft.com/office/drawing/2010/main" w="9525">
                 <a:solidFill>
                   <a:srgbClr val="000000"/>
                 </a:solidFill>
@@ -40732,14 +40738,14 @@
           </a:ln>
           <a:extLst>
             <a:ext uri="{909E8E84-426E-40dd-AFC4-6F175D3DCCD1}">
-              <a14:hiddenFill xmlns:a14="http://schemas.microsoft.com/office/drawing/2010/main" xmlns="">
+              <a14:hiddenFill xmlns="" xmlns:a14="http://schemas.microsoft.com/office/drawing/2010/main">
                 <a:solidFill>
                   <a:srgbClr val="FFFFFF"/>
                 </a:solidFill>
               </a14:hiddenFill>
             </a:ext>
             <a:ext uri="{91240B29-F687-4f45-9708-019B960494DF}">
-              <a14:hiddenLine xmlns:a14="http://schemas.microsoft.com/office/drawing/2010/main" xmlns="" w="9525">
+              <a14:hiddenLine xmlns="" xmlns:a14="http://schemas.microsoft.com/office/drawing/2010/main" w="9525">
                 <a:solidFill>
                   <a:srgbClr val="000000"/>
                 </a:solidFill>
@@ -40965,14 +40971,14 @@
           </a:ln>
           <a:extLst>
             <a:ext uri="{909E8E84-426E-40dd-AFC4-6F175D3DCCD1}">
-              <a14:hiddenFill xmlns:a14="http://schemas.microsoft.com/office/drawing/2010/main" xmlns="">
+              <a14:hiddenFill xmlns="" xmlns:a14="http://schemas.microsoft.com/office/drawing/2010/main">
                 <a:solidFill>
                   <a:srgbClr val="FFFFFF"/>
                 </a:solidFill>
               </a14:hiddenFill>
             </a:ext>
             <a:ext uri="{91240B29-F687-4f45-9708-019B960494DF}">
-              <a14:hiddenLine xmlns:a14="http://schemas.microsoft.com/office/drawing/2010/main" xmlns="" w="9525">
+              <a14:hiddenLine xmlns="" xmlns:a14="http://schemas.microsoft.com/office/drawing/2010/main" w="9525">
                 <a:solidFill>
                   <a:srgbClr val="000000"/>
                 </a:solidFill>
